--- a/document/제안서.pptx
+++ b/document/제안서.pptx
@@ -34,44 +34,44 @@
   <p:notesSz cx="6858000" cy="9144000"/>
   <p:embeddedFontLst>
     <p:embeddedFont>
-      <p:font typeface="Yoon 윤고딕 550_TT" panose="02090603020101020101" pitchFamily="18" charset="-127"/>
+      <p:font typeface="Yoon 윤고딕 530_TT" panose="02090603020101020101" pitchFamily="18" charset="-127"/>
       <p:regular r:id="rId24"/>
     </p:embeddedFont>
     <p:embeddedFont>
-      <p:font typeface="맑은 고딕" panose="020B0503020000020004" pitchFamily="50" charset="-127"/>
+      <p:font typeface="나눔바른고딕" panose="020B0603020101020101" pitchFamily="50" charset="-127"/>
       <p:regular r:id="rId25"/>
       <p:bold r:id="rId26"/>
     </p:embeddedFont>
     <p:embeddedFont>
+      <p:font typeface="Yoon 윤고딕 540_TT" panose="02090603020101020101" pitchFamily="18" charset="-127"/>
+      <p:regular r:id="rId27"/>
+    </p:embeddedFont>
+    <p:embeddedFont>
+      <p:font typeface="Yoon 윤고딕 550_TT" panose="02090603020101020101" pitchFamily="18" charset="-127"/>
+      <p:regular r:id="rId28"/>
+    </p:embeddedFont>
+    <p:embeddedFont>
       <p:font typeface="Segoe UI Black" panose="020B0A02040204020203" pitchFamily="34" charset="0"/>
-      <p:bold r:id="rId27"/>
-      <p:boldItalic r:id="rId28"/>
+      <p:bold r:id="rId29"/>
+      <p:boldItalic r:id="rId30"/>
+    </p:embeddedFont>
+    <p:embeddedFont>
+      <p:font typeface="Yoon 윤고딕 520_TT" panose="02090603020101020101" pitchFamily="18" charset="-127"/>
+      <p:regular r:id="rId31"/>
     </p:embeddedFont>
     <p:embeddedFont>
       <p:font typeface="Rockwell Extra Bold" panose="02060903040505020403" pitchFamily="18" charset="0"/>
-      <p:bold r:id="rId29"/>
-    </p:embeddedFont>
-    <p:embeddedFont>
-      <p:font typeface="Yoon 윤고딕 520_TT" panose="02090603020101020101" pitchFamily="18" charset="-127"/>
-      <p:regular r:id="rId30"/>
-    </p:embeddedFont>
-    <p:embeddedFont>
-      <p:font typeface="나눔고딕" panose="020D0604000000000000" pitchFamily="50" charset="-127"/>
-      <p:regular r:id="rId31"/>
       <p:bold r:id="rId32"/>
     </p:embeddedFont>
     <p:embeddedFont>
-      <p:font typeface="나눔바른고딕" panose="020B0603020101020101" pitchFamily="50" charset="-127"/>
+      <p:font typeface="맑은 고딕" panose="020B0503020000020004" pitchFamily="50" charset="-127"/>
       <p:regular r:id="rId33"/>
       <p:bold r:id="rId34"/>
     </p:embeddedFont>
     <p:embeddedFont>
-      <p:font typeface="Yoon 윤고딕 530_TT" panose="02090603020101020101" pitchFamily="18" charset="-127"/>
+      <p:font typeface="나눔고딕" panose="020D0604000000000000" pitchFamily="50" charset="-127"/>
       <p:regular r:id="rId35"/>
-    </p:embeddedFont>
-    <p:embeddedFont>
-      <p:font typeface="Yoon 윤고딕 540_TT" panose="02090603020101020101" pitchFamily="18" charset="-127"/>
-      <p:regular r:id="rId36"/>
+      <p:bold r:id="rId36"/>
     </p:embeddedFont>
   </p:embeddedFontLst>
   <p:defaultTextStyle>
@@ -6296,49 +6296,6 @@
             </a:fontRef>
           </p:style>
         </p:cxnSp>
-        <p:sp>
-          <p:nvSpPr>
-            <p:cNvPr id="23" name="TextBox 22"/>
-            <p:cNvSpPr txBox="1"/>
-            <p:nvPr/>
-          </p:nvSpPr>
-          <p:spPr>
-            <a:xfrm>
-              <a:off x="3578864" y="3692362"/>
-              <a:ext cx="1894679" cy="338554"/>
-            </a:xfrm>
-            <a:prstGeom prst="rect">
-              <a:avLst/>
-            </a:prstGeom>
-            <a:grpFill/>
-          </p:spPr>
-          <p:txBody>
-            <a:bodyPr wrap="square" rtlCol="0">
-              <a:spAutoFit/>
-            </a:bodyPr>
-            <a:lstStyle/>
-            <a:p>
-              <a:pPr algn="ctr"/>
-              <a:r>
-                <a:rPr lang="en-US" altLang="ko-KR" sz="1600" spc="-150" dirty="0">
-                  <a:solidFill>
-                    <a:srgbClr val="003B60"/>
-                  </a:solidFill>
-                  <a:latin typeface="Yoon 윤고딕 550_TT" panose="02090603020101020101" pitchFamily="18" charset="-127"/>
-                  <a:ea typeface="Yoon 윤고딕 550_TT" panose="02090603020101020101" pitchFamily="18" charset="-127"/>
-                </a:rPr>
-                <a:t>DB sync</a:t>
-              </a:r>
-              <a:endParaRPr lang="ko-KR" altLang="en-US" sz="1600" spc="-150" dirty="0">
-                <a:solidFill>
-                  <a:srgbClr val="003B60"/>
-                </a:solidFill>
-                <a:latin typeface="Yoon 윤고딕 550_TT" panose="02090603020101020101" pitchFamily="18" charset="-127"/>
-                <a:ea typeface="Yoon 윤고딕 550_TT" panose="02090603020101020101" pitchFamily="18" charset="-127"/>
-              </a:endParaRPr>
-            </a:p>
-          </p:txBody>
-        </p:sp>
         <p:sp>
           <p:nvSpPr>
             <p:cNvPr id="3" name="말풍선: 사각형 2"/>
@@ -25780,7 +25737,7 @@
                   <a:latin typeface="Yoon 윤고딕 550_TT" panose="02090603020101020101" pitchFamily="18" charset="-127"/>
                   <a:ea typeface="Yoon 윤고딕 550_TT" panose="02090603020101020101" pitchFamily="18" charset="-127"/>
                 </a:rPr>
-                <a:t>국내 여행에 관한 여행지 정보를 제공해주고 </a:t>
+                <a:t>개인 관심사 맞춤형으로 국내 여행에 관한 여행지 정보를 제공해주어 </a:t>
               </a:r>
               <a:endParaRPr lang="en-US" altLang="ko-KR" sz="2400" spc="-150" dirty="0">
                 <a:solidFill>
